--- a/content/blog/coeficiente-de-variacao/Imagens.pptx
+++ b/content/blog/coeficiente-de-variacao/Imagens.pptx
@@ -269,7 +269,7 @@
           <a:p>
             <a:fld id="{8EF3D351-15EE-4CA9-886D-52D945E01E6C}" type="datetimeFigureOut">
               <a:rPr lang="pt-BR" smtClean="0"/>
-              <a:t>03/01/2025</a:t>
+              <a:t>23/04/2025</a:t>
             </a:fld>
             <a:endParaRPr lang="pt-BR"/>
           </a:p>
@@ -467,7 +467,7 @@
           <a:p>
             <a:fld id="{8EF3D351-15EE-4CA9-886D-52D945E01E6C}" type="datetimeFigureOut">
               <a:rPr lang="pt-BR" smtClean="0"/>
-              <a:t>03/01/2025</a:t>
+              <a:t>23/04/2025</a:t>
             </a:fld>
             <a:endParaRPr lang="pt-BR"/>
           </a:p>
@@ -675,7 +675,7 @@
           <a:p>
             <a:fld id="{8EF3D351-15EE-4CA9-886D-52D945E01E6C}" type="datetimeFigureOut">
               <a:rPr lang="pt-BR" smtClean="0"/>
-              <a:t>03/01/2025</a:t>
+              <a:t>23/04/2025</a:t>
             </a:fld>
             <a:endParaRPr lang="pt-BR"/>
           </a:p>
@@ -879,7 +879,7 @@
           <a:p>
             <a:fld id="{8EF3D351-15EE-4CA9-886D-52D945E01E6C}" type="datetimeFigureOut">
               <a:rPr lang="pt-BR" smtClean="0"/>
-              <a:t>03/01/2025</a:t>
+              <a:t>23/04/2025</a:t>
             </a:fld>
             <a:endParaRPr lang="pt-BR"/>
           </a:p>
@@ -1154,7 +1154,7 @@
           <a:p>
             <a:fld id="{8EF3D351-15EE-4CA9-886D-52D945E01E6C}" type="datetimeFigureOut">
               <a:rPr lang="pt-BR" smtClean="0"/>
-              <a:t>03/01/2025</a:t>
+              <a:t>23/04/2025</a:t>
             </a:fld>
             <a:endParaRPr lang="pt-BR"/>
           </a:p>
@@ -1419,7 +1419,7 @@
           <a:p>
             <a:fld id="{8EF3D351-15EE-4CA9-886D-52D945E01E6C}" type="datetimeFigureOut">
               <a:rPr lang="pt-BR" smtClean="0"/>
-              <a:t>03/01/2025</a:t>
+              <a:t>23/04/2025</a:t>
             </a:fld>
             <a:endParaRPr lang="pt-BR"/>
           </a:p>
@@ -1831,7 +1831,7 @@
           <a:p>
             <a:fld id="{8EF3D351-15EE-4CA9-886D-52D945E01E6C}" type="datetimeFigureOut">
               <a:rPr lang="pt-BR" smtClean="0"/>
-              <a:t>03/01/2025</a:t>
+              <a:t>23/04/2025</a:t>
             </a:fld>
             <a:endParaRPr lang="pt-BR"/>
           </a:p>
@@ -1972,7 +1972,7 @@
           <a:p>
             <a:fld id="{8EF3D351-15EE-4CA9-886D-52D945E01E6C}" type="datetimeFigureOut">
               <a:rPr lang="pt-BR" smtClean="0"/>
-              <a:t>03/01/2025</a:t>
+              <a:t>23/04/2025</a:t>
             </a:fld>
             <a:endParaRPr lang="pt-BR"/>
           </a:p>
@@ -2085,7 +2085,7 @@
           <a:p>
             <a:fld id="{8EF3D351-15EE-4CA9-886D-52D945E01E6C}" type="datetimeFigureOut">
               <a:rPr lang="pt-BR" smtClean="0"/>
-              <a:t>03/01/2025</a:t>
+              <a:t>23/04/2025</a:t>
             </a:fld>
             <a:endParaRPr lang="pt-BR"/>
           </a:p>
@@ -2396,7 +2396,7 @@
           <a:p>
             <a:fld id="{8EF3D351-15EE-4CA9-886D-52D945E01E6C}" type="datetimeFigureOut">
               <a:rPr lang="pt-BR" smtClean="0"/>
-              <a:t>03/01/2025</a:t>
+              <a:t>23/04/2025</a:t>
             </a:fld>
             <a:endParaRPr lang="pt-BR"/>
           </a:p>
@@ -2684,7 +2684,7 @@
           <a:p>
             <a:fld id="{8EF3D351-15EE-4CA9-886D-52D945E01E6C}" type="datetimeFigureOut">
               <a:rPr lang="pt-BR" smtClean="0"/>
-              <a:t>03/01/2025</a:t>
+              <a:t>23/04/2025</a:t>
             </a:fld>
             <a:endParaRPr lang="pt-BR"/>
           </a:p>
@@ -2925,7 +2925,7 @@
           <a:p>
             <a:fld id="{8EF3D351-15EE-4CA9-886D-52D945E01E6C}" type="datetimeFigureOut">
               <a:rPr lang="pt-BR" smtClean="0"/>
-              <a:t>03/01/2025</a:t>
+              <a:t>23/04/2025</a:t>
             </a:fld>
             <a:endParaRPr lang="pt-BR"/>
           </a:p>
@@ -4003,6 +4003,58 @@
           <a:chExt cx="0" cy="0"/>
         </a:xfrm>
       </p:grpSpPr>
+      <p:sp>
+        <p:nvSpPr>
+          <p:cNvPr id="4" name="Retângulo 3">
+            <a:extLst>
+              <a:ext uri="{FF2B5EF4-FFF2-40B4-BE49-F238E27FC236}">
+                <a16:creationId xmlns:a16="http://schemas.microsoft.com/office/drawing/2014/main" id="{09CA0039-1900-B7E9-62A5-857673461F1A}"/>
+              </a:ext>
+            </a:extLst>
+          </p:cNvPr>
+          <p:cNvSpPr/>
+          <p:nvPr/>
+        </p:nvSpPr>
+        <p:spPr>
+          <a:xfrm>
+            <a:off x="1769165" y="2985051"/>
+            <a:ext cx="8256104" cy="3379305"/>
+          </a:xfrm>
+          <a:prstGeom prst="rect">
+            <a:avLst/>
+          </a:prstGeom>
+          <a:solidFill>
+            <a:schemeClr val="bg1"/>
+          </a:solidFill>
+          <a:ln>
+            <a:noFill/>
+          </a:ln>
+        </p:spPr>
+        <p:style>
+          <a:lnRef idx="2">
+            <a:schemeClr val="accent1">
+              <a:shade val="15000"/>
+            </a:schemeClr>
+          </a:lnRef>
+          <a:fillRef idx="1">
+            <a:schemeClr val="accent1"/>
+          </a:fillRef>
+          <a:effectRef idx="0">
+            <a:schemeClr val="accent1"/>
+          </a:effectRef>
+          <a:fontRef idx="minor">
+            <a:schemeClr val="lt1"/>
+          </a:fontRef>
+        </p:style>
+        <p:txBody>
+          <a:bodyPr rtlCol="0" anchor="ctr"/>
+          <a:lstStyle/>
+          <a:p>
+            <a:pPr algn="ctr"/>
+            <a:endParaRPr lang="pt-BR"/>
+          </a:p>
+        </p:txBody>
+      </p:sp>
       <p:graphicFrame>
         <p:nvGraphicFramePr>
           <p:cNvPr id="5" name="Tabela 4">
@@ -4718,6 +4770,42 @@
           </a:graphicData>
         </a:graphic>
       </p:graphicFrame>
+      <p:pic>
+        <p:nvPicPr>
+          <p:cNvPr id="3" name="Imagem 2">
+            <a:extLst>
+              <a:ext uri="{FF2B5EF4-FFF2-40B4-BE49-F238E27FC236}">
+                <a16:creationId xmlns:a16="http://schemas.microsoft.com/office/drawing/2014/main" id="{806E9A6A-AC95-A9CD-A3AD-168757AC1006}"/>
+              </a:ext>
+            </a:extLst>
+          </p:cNvPr>
+          <p:cNvPicPr>
+            <a:picLocks noChangeAspect="1"/>
+          </p:cNvPicPr>
+          <p:nvPr/>
+        </p:nvPicPr>
+        <p:blipFill>
+          <a:blip r:embed="rId2">
+            <a:extLst>
+              <a:ext uri="{28A0092B-C50C-407E-A947-70E740481C1C}">
+                <a14:useLocalDpi xmlns:a14="http://schemas.microsoft.com/office/drawing/2010/main" val="0"/>
+              </a:ext>
+            </a:extLst>
+          </a:blip>
+          <a:stretch>
+            <a:fillRect/>
+          </a:stretch>
+        </p:blipFill>
+        <p:spPr>
+          <a:xfrm>
+            <a:off x="3439767" y="3715854"/>
+            <a:ext cx="4914900" cy="1917700"/>
+          </a:xfrm>
+          <a:prstGeom prst="rect">
+            <a:avLst/>
+          </a:prstGeom>
+        </p:spPr>
+      </p:pic>
     </p:spTree>
     <p:extLst>
       <p:ext uri="{BB962C8B-B14F-4D97-AF65-F5344CB8AC3E}">
@@ -9052,8 +9140,8 @@
           </a:p>
         </p:txBody>
       </p:sp>
-      <mc:AlternateContent xmlns:mc="http://schemas.openxmlformats.org/markup-compatibility/2006">
-        <mc:Choice xmlns:a14="http://schemas.microsoft.com/office/drawing/2010/main" Requires="a14">
+      <mc:AlternateContent xmlns:mc="http://schemas.openxmlformats.org/markup-compatibility/2006" xmlns:a14="http://schemas.microsoft.com/office/drawing/2010/main">
+        <mc:Choice Requires="a14">
           <p:sp>
             <p:nvSpPr>
               <p:cNvPr id="28" name="CaixaDeTexto 27">
@@ -9082,6 +9170,7 @@
               </a:bodyPr>
               <a:lstStyle/>
               <a:p>
+                <a:pPr/>
                 <a14:m>
                   <m:oMathPara xmlns:m="http://schemas.openxmlformats.org/officeDocument/2006/math">
                     <m:oMathParaPr>
@@ -9136,7 +9225,7 @@
                               </a:solidFill>
                               <a:latin typeface="Nunito" pitchFamily="2" charset="77"/>
                             </a:rPr>
-                            <m:t> - 1</m:t>
+                            <m:t> − 1</m:t>
                           </m:r>
                         </m:den>
                       </m:f>
@@ -9226,7 +9315,7 @@
             </p:txBody>
           </p:sp>
         </mc:Choice>
-        <mc:Fallback>
+        <mc:Fallback xmlns="">
           <p:sp>
             <p:nvSpPr>
               <p:cNvPr id="28" name="CaixaDeTexto 27">
@@ -10850,8 +10939,8 @@
           </a:p>
         </p:txBody>
       </p:sp>
-      <mc:AlternateContent xmlns:mc="http://schemas.openxmlformats.org/markup-compatibility/2006">
-        <mc:Choice xmlns:a14="http://schemas.microsoft.com/office/drawing/2010/main" Requires="a14">
+      <mc:AlternateContent xmlns:mc="http://schemas.openxmlformats.org/markup-compatibility/2006" xmlns:a14="http://schemas.microsoft.com/office/drawing/2010/main">
+        <mc:Choice Requires="a14">
           <p:sp>
             <p:nvSpPr>
               <p:cNvPr id="28" name="CaixaDeTexto 27">
@@ -10880,6 +10969,7 @@
               </a:bodyPr>
               <a:lstStyle/>
               <a:p>
+                <a:pPr/>
                 <a14:m>
                   <m:oMathPara xmlns:m="http://schemas.openxmlformats.org/officeDocument/2006/math">
                     <m:oMathParaPr>
@@ -10934,7 +11024,7 @@
                               </a:solidFill>
                               <a:latin typeface="Nunito" pitchFamily="2" charset="77"/>
                             </a:rPr>
-                            <m:t> - 1</m:t>
+                            <m:t> − 1</m:t>
                           </m:r>
                         </m:den>
                       </m:f>
@@ -11036,7 +11126,7 @@
             </p:txBody>
           </p:sp>
         </mc:Choice>
-        <mc:Fallback>
+        <mc:Fallback xmlns="">
           <p:sp>
             <p:nvSpPr>
               <p:cNvPr id="28" name="CaixaDeTexto 27">
@@ -13019,8 +13109,8 @@
           </a:p>
         </p:txBody>
       </p:sp>
-      <mc:AlternateContent xmlns:mc="http://schemas.openxmlformats.org/markup-compatibility/2006">
-        <mc:Choice xmlns:a14="http://schemas.microsoft.com/office/drawing/2010/main" Requires="a14">
+      <mc:AlternateContent xmlns:mc="http://schemas.openxmlformats.org/markup-compatibility/2006" xmlns:a14="http://schemas.microsoft.com/office/drawing/2010/main">
+        <mc:Choice Requires="a14">
           <p:sp>
             <p:nvSpPr>
               <p:cNvPr id="3" name="CaixaDeTexto 2">
@@ -13121,7 +13211,7 @@
             </p:txBody>
           </p:sp>
         </mc:Choice>
-        <mc:Fallback>
+        <mc:Fallback xmlns="">
           <p:sp>
             <p:nvSpPr>
               <p:cNvPr id="3" name="CaixaDeTexto 2">
@@ -13212,8 +13302,8 @@
           </a:p>
         </p:txBody>
       </p:sp>
-      <mc:AlternateContent xmlns:mc="http://schemas.openxmlformats.org/markup-compatibility/2006">
-        <mc:Choice xmlns:a14="http://schemas.microsoft.com/office/drawing/2010/main" Requires="a14">
+      <mc:AlternateContent xmlns:mc="http://schemas.openxmlformats.org/markup-compatibility/2006" xmlns:a14="http://schemas.microsoft.com/office/drawing/2010/main">
+        <mc:Choice Requires="a14">
           <p:sp>
             <p:nvSpPr>
               <p:cNvPr id="6" name="CaixaDeTexto 5">
@@ -13290,7 +13380,7 @@
             </p:txBody>
           </p:sp>
         </mc:Choice>
-        <mc:Fallback>
+        <mc:Fallback xmlns="">
           <p:sp>
             <p:nvSpPr>
               <p:cNvPr id="6" name="CaixaDeTexto 5">
@@ -13427,8 +13517,8 @@
           </a:p>
         </p:txBody>
       </p:sp>
-      <mc:AlternateContent xmlns:mc="http://schemas.openxmlformats.org/markup-compatibility/2006">
-        <mc:Choice xmlns:a14="http://schemas.microsoft.com/office/drawing/2010/main" Requires="a14">
+      <mc:AlternateContent xmlns:mc="http://schemas.openxmlformats.org/markup-compatibility/2006" xmlns:a14="http://schemas.microsoft.com/office/drawing/2010/main">
+        <mc:Choice Requires="a14">
           <p:sp>
             <p:nvSpPr>
               <p:cNvPr id="15" name="CaixaDeTexto 14">
@@ -13529,7 +13619,7 @@
             </p:txBody>
           </p:sp>
         </mc:Choice>
-        <mc:Fallback>
+        <mc:Fallback xmlns="">
           <p:sp>
             <p:nvSpPr>
               <p:cNvPr id="15" name="CaixaDeTexto 14">
@@ -13620,8 +13710,8 @@
           </a:p>
         </p:txBody>
       </p:sp>
-      <mc:AlternateContent xmlns:mc="http://schemas.openxmlformats.org/markup-compatibility/2006">
-        <mc:Choice xmlns:a14="http://schemas.microsoft.com/office/drawing/2010/main" Requires="a14">
+      <mc:AlternateContent xmlns:mc="http://schemas.openxmlformats.org/markup-compatibility/2006" xmlns:a14="http://schemas.microsoft.com/office/drawing/2010/main">
+        <mc:Choice Requires="a14">
           <p:sp>
             <p:nvSpPr>
               <p:cNvPr id="17" name="CaixaDeTexto 16">
@@ -13698,7 +13788,7 @@
             </p:txBody>
           </p:sp>
         </mc:Choice>
-        <mc:Fallback>
+        <mc:Fallback xmlns="">
           <p:sp>
             <p:nvSpPr>
               <p:cNvPr id="17" name="CaixaDeTexto 16">
@@ -14360,8 +14450,8 @@
           <a:chExt cx="0" cy="0"/>
         </a:xfrm>
       </p:grpSpPr>
-      <mc:AlternateContent xmlns:mc="http://schemas.openxmlformats.org/markup-compatibility/2006">
-        <mc:Choice xmlns:a14="http://schemas.microsoft.com/office/drawing/2010/main" Requires="a14">
+      <mc:AlternateContent xmlns:mc="http://schemas.openxmlformats.org/markup-compatibility/2006" xmlns:a14="http://schemas.microsoft.com/office/drawing/2010/main">
+        <mc:Choice Requires="a14">
           <p:sp>
             <p:nvSpPr>
               <p:cNvPr id="51" name="Retângulo 50">
@@ -14571,7 +14661,7 @@
             </p:txBody>
           </p:sp>
         </mc:Choice>
-        <mc:Fallback>
+        <mc:Fallback xmlns="">
           <p:sp>
             <p:nvSpPr>
               <p:cNvPr id="51" name="Retângulo 50">
@@ -14616,8 +14706,8 @@
           </p:sp>
         </mc:Fallback>
       </mc:AlternateContent>
-      <mc:AlternateContent xmlns:mc="http://schemas.openxmlformats.org/markup-compatibility/2006">
-        <mc:Choice xmlns:a14="http://schemas.microsoft.com/office/drawing/2010/main" Requires="a14">
+      <mc:AlternateContent xmlns:mc="http://schemas.openxmlformats.org/markup-compatibility/2006" xmlns:a14="http://schemas.microsoft.com/office/drawing/2010/main">
+        <mc:Choice Requires="a14">
           <p:sp>
             <p:nvSpPr>
               <p:cNvPr id="3" name="Retângulo 2">
@@ -14811,7 +14901,7 @@
             </p:txBody>
           </p:sp>
         </mc:Choice>
-        <mc:Fallback>
+        <mc:Fallback xmlns="">
           <p:sp>
             <p:nvSpPr>
               <p:cNvPr id="3" name="Retângulo 2">
@@ -14938,8 +15028,8 @@
           </a:p>
         </p:txBody>
       </p:sp>
-      <mc:AlternateContent xmlns:mc="http://schemas.openxmlformats.org/markup-compatibility/2006">
-        <mc:Choice xmlns:a14="http://schemas.microsoft.com/office/drawing/2010/main" Requires="a14">
+      <mc:AlternateContent xmlns:mc="http://schemas.openxmlformats.org/markup-compatibility/2006" xmlns:a14="http://schemas.microsoft.com/office/drawing/2010/main">
+        <mc:Choice Requires="a14">
           <p:sp>
             <p:nvSpPr>
               <p:cNvPr id="8" name="Retângulo 7">
@@ -15034,7 +15124,7 @@
             </p:txBody>
           </p:sp>
         </mc:Choice>
-        <mc:Fallback>
+        <mc:Fallback xmlns="">
           <p:sp>
             <p:nvSpPr>
               <p:cNvPr id="8" name="Retângulo 7">
@@ -15161,8 +15251,8 @@
           </a:p>
         </p:txBody>
       </p:sp>
-      <mc:AlternateContent xmlns:mc="http://schemas.openxmlformats.org/markup-compatibility/2006">
-        <mc:Choice xmlns:a14="http://schemas.microsoft.com/office/drawing/2010/main" Requires="a14">
+      <mc:AlternateContent xmlns:mc="http://schemas.openxmlformats.org/markup-compatibility/2006" xmlns:a14="http://schemas.microsoft.com/office/drawing/2010/main">
+        <mc:Choice Requires="a14">
           <p:sp>
             <p:nvSpPr>
               <p:cNvPr id="12" name="Retângulo 11">
@@ -15257,7 +15347,7 @@
             </p:txBody>
           </p:sp>
         </mc:Choice>
-        <mc:Fallback>
+        <mc:Fallback xmlns="">
           <p:sp>
             <p:nvSpPr>
               <p:cNvPr id="12" name="Retângulo 11">

--- a/content/blog/coeficiente-de-variacao/Imagens.pptx
+++ b/content/blog/coeficiente-de-variacao/Imagens.pptx
@@ -4017,8 +4017,8 @@
         </p:nvSpPr>
         <p:spPr>
           <a:xfrm>
-            <a:off x="1769165" y="2985051"/>
-            <a:ext cx="8256104" cy="3379305"/>
+            <a:off x="2822713" y="2985051"/>
+            <a:ext cx="6095761" cy="3998845"/>
           </a:xfrm>
           <a:prstGeom prst="rect">
             <a:avLst/>
@@ -4798,7 +4798,7 @@
         </p:blipFill>
         <p:spPr>
           <a:xfrm>
-            <a:off x="3439767" y="3715854"/>
+            <a:off x="3413143" y="4025623"/>
             <a:ext cx="4914900" cy="1917700"/>
           </a:xfrm>
           <a:prstGeom prst="rect">
